--- a/Presentación_Final/Presentacion_proyecto_final.pptx
+++ b/Presentación_Final/Presentacion_proyecto_final.pptx
@@ -30728,7 +30728,7 @@
           <p:nvPr>
             <p:extLst>
               <p:ext uri="{D42A27DB-BD31-4B8C-83A1-F6EECF244321}">
-                <p14:modId xmlns:p14="http://schemas.microsoft.com/office/powerpoint/2010/main" val="328055811"/>
+                <p14:modId xmlns:p14="http://schemas.microsoft.com/office/powerpoint/2010/main" val="911675409"/>
               </p:ext>
             </p:extLst>
           </p:nvPr>
@@ -30774,7 +30774,7 @@
                           <a:effectLst/>
                           <a:latin typeface="Calibri" panose="020F0502020204030204" pitchFamily="34" charset="0"/>
                         </a:rPr>
-                        <a:t>motor_pasar1</a:t>
+                        <a:t>mp3_pasar1</a:t>
                       </a:r>
                       <a:endParaRPr lang="es-CO" sz="1100" b="0" i="0" u="none" strike="noStrike" dirty="0">
                         <a:solidFill>
